--- a/unit1part2.pptx
+++ b/unit1part2.pptx
@@ -1360,7 +1360,7 @@
           <p:cNvPr id="7" name="Picture 6" descr="E:\websites\free-power-point-templates\2012\logos.png">
             <a:extLst>
               <a:ext uri="{FF2B5EF4-FFF2-40B4-BE49-F238E27FC236}">
-                <a16:creationId xmlns:a16="http://schemas.microsoft.com/office/drawing/2014/main" xmlns="" id="{08B89D22-1D6E-450B-881F-4D2A4C527F72}"/>
+                <a16:creationId xmlns:a16="http://schemas.microsoft.com/office/drawing/2014/main" id="{08B89D22-1D6E-450B-881F-4D2A4C527F72}"/>
               </a:ext>
             </a:extLst>
           </p:cNvPr>
@@ -3668,7 +3668,7 @@
           <p:cNvPr id="7" name="TextBox 6">
             <a:extLst>
               <a:ext uri="{FF2B5EF4-FFF2-40B4-BE49-F238E27FC236}">
-                <a16:creationId xmlns:a16="http://schemas.microsoft.com/office/drawing/2014/main" xmlns="" id="{11E867DF-3DCA-4725-94F0-F2B6BD747A82}"/>
+                <a16:creationId xmlns:a16="http://schemas.microsoft.com/office/drawing/2014/main" id="{11E867DF-3DCA-4725-94F0-F2B6BD747A82}"/>
               </a:ext>
             </a:extLst>
           </p:cNvPr>
@@ -4039,7 +4039,7 @@
           <p:cNvPr id="5" name="Subtitle 4">
             <a:extLst>
               <a:ext uri="{FF2B5EF4-FFF2-40B4-BE49-F238E27FC236}">
-                <a16:creationId xmlns:a16="http://schemas.microsoft.com/office/drawing/2014/main" xmlns="" id="{709333C4-D27D-4B44-A161-27AFBBC8889A}"/>
+                <a16:creationId xmlns:a16="http://schemas.microsoft.com/office/drawing/2014/main" id="{709333C4-D27D-4B44-A161-27AFBBC8889A}"/>
               </a:ext>
             </a:extLst>
           </p:cNvPr>
@@ -4061,18 +4061,13 @@
           <a:lstStyle/>
           <a:p>
             <a:r>
-              <a:rPr lang="en-US" dirty="0" smtClean="0">
+              <a:rPr lang="en-US" dirty="0">
                 <a:solidFill>
                   <a:schemeClr val="bg1"/>
                 </a:solidFill>
               </a:rPr>
               <a:t>Unit One Part 2</a:t>
             </a:r>
-            <a:endParaRPr lang="en-US" dirty="0">
-              <a:solidFill>
-                <a:schemeClr val="bg1"/>
-              </a:solidFill>
-            </a:endParaRPr>
           </a:p>
         </p:txBody>
       </p:sp>
@@ -4157,7 +4152,7 @@
           <a:lstStyle/>
           <a:p>
             <a:r>
-              <a:rPr lang="en-US" sz="3200" dirty="0" smtClean="0">
+              <a:rPr lang="en-US" sz="3200" dirty="0">
                 <a:solidFill>
                   <a:schemeClr val="bg1"/>
                 </a:solidFill>
@@ -4167,7 +4162,7 @@
           </a:p>
           <a:p>
             <a:r>
-              <a:rPr lang="en-US" sz="3200" dirty="0" smtClean="0"/>
+              <a:rPr lang="en-US" sz="3200" dirty="0"/>
               <a:t>list</a:t>
             </a:r>
             <a:endParaRPr lang="en-US" sz="3200" dirty="0">
@@ -4248,18 +4243,13 @@
           <a:lstStyle/>
           <a:p>
             <a:r>
-              <a:rPr lang="en-US" dirty="0" smtClean="0">
+              <a:rPr lang="en-US" dirty="0">
                 <a:solidFill>
                   <a:schemeClr val="bg1"/>
                 </a:solidFill>
               </a:rPr>
               <a:t>String In Python</a:t>
             </a:r>
-            <a:endParaRPr lang="en-US" dirty="0">
-              <a:solidFill>
-                <a:schemeClr val="bg1"/>
-              </a:solidFill>
-            </a:endParaRPr>
           </a:p>
         </p:txBody>
       </p:sp>
@@ -4568,16 +4558,10 @@
           </a:p>
           <a:p>
             <a:r>
-              <a:rPr lang="en-US" dirty="0" smtClean="0">
-                <a:ea typeface="MS PGothic" panose="020B0600070205080204" pitchFamily="34" charset="-128"/>
-              </a:rPr>
-              <a:t> </a:t>
-            </a:r>
-            <a:r>
               <a:rPr lang="en-US" dirty="0">
                 <a:ea typeface="MS PGothic" panose="020B0600070205080204" pitchFamily="34" charset="-128"/>
               </a:rPr>
-              <a:t>str3 = </a:t>
+              <a:t> str3 = </a:t>
             </a:r>
             <a:r>
               <a:rPr lang="fr-FR" dirty="0">
@@ -4603,39 +4587,18 @@
           </a:p>
           <a:p>
             <a:r>
-              <a:rPr lang="en-US" dirty="0" smtClean="0">
-                <a:ea typeface="MS PGothic" panose="020B0600070205080204" pitchFamily="34" charset="-128"/>
-              </a:rPr>
-              <a:t> </a:t>
-            </a:r>
-            <a:r>
               <a:rPr lang="en-US" dirty="0">
                 <a:ea typeface="MS PGothic" panose="020B0600070205080204" pitchFamily="34" charset="-128"/>
               </a:rPr>
-              <a:t>str3 = str3 + </a:t>
-            </a:r>
-            <a:r>
-              <a:rPr lang="en-US" dirty="0" smtClean="0">
-                <a:ea typeface="MS PGothic" panose="020B0600070205080204" pitchFamily="34" charset="-128"/>
-              </a:rPr>
-              <a:t>1 (error) </a:t>
-            </a:r>
-            <a:endParaRPr lang="en-US" dirty="0">
-              <a:ea typeface="MS PGothic" panose="020B0600070205080204" pitchFamily="34" charset="-128"/>
-            </a:endParaRPr>
-          </a:p>
-          <a:p>
-            <a:r>
-              <a:rPr lang="en-US" dirty="0" smtClean="0">
-                <a:ea typeface="MS PGothic" panose="020B0600070205080204" pitchFamily="34" charset="-128"/>
-              </a:rPr>
-              <a:t>x </a:t>
-            </a:r>
+              <a:t> str3 = str3 + 1 (error) </a:t>
+            </a:r>
+          </a:p>
+          <a:p>
             <a:r>
               <a:rPr lang="en-US" dirty="0">
                 <a:ea typeface="MS PGothic" panose="020B0600070205080204" pitchFamily="34" charset="-128"/>
               </a:rPr>
-              <a:t>= </a:t>
+              <a:t>x = </a:t>
             </a:r>
             <a:r>
               <a:rPr lang="en-US" dirty="0" err="1">
@@ -4652,28 +4615,19 @@
           </a:p>
           <a:p>
             <a:r>
-              <a:rPr lang="en-US" dirty="0" smtClean="0">
-                <a:ea typeface="MS PGothic" panose="020B0600070205080204" pitchFamily="34" charset="-128"/>
-              </a:rPr>
-              <a:t> </a:t>
-            </a:r>
-            <a:r>
               <a:rPr lang="en-US" dirty="0">
                 <a:ea typeface="MS PGothic" panose="020B0600070205080204" pitchFamily="34" charset="-128"/>
               </a:rPr>
-              <a:t>print x</a:t>
-            </a:r>
-          </a:p>
-          <a:p>
-            <a:r>
-              <a:rPr lang="en-US" dirty="0" smtClean="0">
+              <a:t> print x</a:t>
+            </a:r>
+          </a:p>
+          <a:p>
+            <a:r>
+              <a:rPr lang="en-US" dirty="0">
                 <a:ea typeface="MS PGothic" panose="020B0600070205080204" pitchFamily="34" charset="-128"/>
               </a:rPr>
               <a:t>124</a:t>
             </a:r>
-            <a:endParaRPr lang="en-US" dirty="0">
-              <a:ea typeface="MS PGothic" panose="020B0600070205080204" pitchFamily="34" charset="-128"/>
-            </a:endParaRPr>
           </a:p>
           <a:p>
             <a:endParaRPr lang="en-US" dirty="0"/>
@@ -4726,10 +4680,9 @@
           <a:lstStyle/>
           <a:p>
             <a:r>
-              <a:rPr lang="en-US" dirty="0" smtClean="0"/>
+              <a:rPr lang="en-US" dirty="0"/>
               <a:t>Escape Characters </a:t>
             </a:r>
-            <a:endParaRPr lang="en-US" dirty="0"/>
           </a:p>
         </p:txBody>
       </p:sp>
@@ -4808,10 +4761,9 @@
           <a:lstStyle/>
           <a:p>
             <a:r>
-              <a:rPr lang="en-US" dirty="0" smtClean="0"/>
+              <a:rPr lang="en-US" dirty="0"/>
               <a:t>Lets to notebook and anaconda</a:t>
             </a:r>
-            <a:endParaRPr lang="en-US" dirty="0"/>
           </a:p>
         </p:txBody>
       </p:sp>
